--- a/Aula 7/Aula 07.pptx
+++ b/Aula 7/Aula 07.pptx
@@ -20,29 +20,38 @@
     <p:sldId id="268" r:id="rId18"/>
     <p:sldId id="269" r:id="rId19"/>
     <p:sldId id="270" r:id="rId20"/>
+    <p:sldId id="271" r:id="rId21"/>
   </p:sldIdLst>
   <p:sldSz cx="18288000" cy="10287000"/>
   <p:notesSz cx="6858000" cy="9144000"/>
   <p:embeddedFontLst>
     <p:embeddedFont>
       <p:font typeface="League Spartan" charset="1" panose="00000800000000000000"/>
-      <p:regular r:id="rId21"/>
+      <p:regular r:id="rId22"/>
     </p:embeddedFont>
     <p:embeddedFont>
       <p:font typeface="Fredoka" charset="1" panose="02000000000000000000"/>
-      <p:regular r:id="rId22"/>
+      <p:regular r:id="rId23"/>
     </p:embeddedFont>
     <p:embeddedFont>
       <p:font typeface="Arial" charset="1" panose="020B0502020202020204"/>
-      <p:regular r:id="rId23"/>
+      <p:regular r:id="rId24"/>
     </p:embeddedFont>
     <p:embeddedFont>
       <p:font typeface="Roboto" charset="1" panose="02000000000000000000"/>
-      <p:regular r:id="rId24"/>
+      <p:regular r:id="rId25"/>
     </p:embeddedFont>
     <p:embeddedFont>
       <p:font typeface="Arial Bold" charset="1" panose="020B0802020202020204"/>
-      <p:regular r:id="rId25"/>
+      <p:regular r:id="rId26"/>
+    </p:embeddedFont>
+    <p:embeddedFont>
+      <p:font typeface="Open Sans Bold" charset="1" panose="020B0806030504020204"/>
+      <p:regular r:id="rId27"/>
+    </p:embeddedFont>
+    <p:embeddedFont>
+      <p:font typeface="Open Sans" charset="1" panose="020B0606030504020204"/>
+      <p:regular r:id="rId28"/>
     </p:embeddedFont>
   </p:embeddedFontLst>
   <p:defaultTextStyle>
@@ -4847,6 +4856,207 @@
 </p:sld>
 </file>
 
+<file path=ppt/slides/slide16.xml><?xml version="1.0" encoding="utf-8"?>
+<p:sld xmlns:p="http://schemas.openxmlformats.org/presentationml/2006/main" xmlns:a="http://schemas.openxmlformats.org/drawingml/2006/main" xmlns:r="http://schemas.openxmlformats.org/officeDocument/2006/relationships">
+  <p:cSld>
+    <p:bg>
+      <p:bgPr>
+        <a:solidFill>
+          <a:srgbClr val="284C6A"/>
+        </a:solidFill>
+      </p:bgPr>
+    </p:bg>
+    <p:spTree>
+      <p:nvGrpSpPr>
+        <p:cNvPr id="1" name=""/>
+        <p:cNvGrpSpPr/>
+        <p:nvPr/>
+      </p:nvGrpSpPr>
+      <p:grpSpPr>
+        <a:xfrm>
+          <a:off x="0" y="0"/>
+          <a:ext cx="0" cy="0"/>
+          <a:chOff x="0" y="0"/>
+          <a:chExt cx="0" cy="0"/>
+        </a:xfrm>
+      </p:grpSpPr>
+      <p:sp>
+        <p:nvSpPr>
+          <p:cNvPr name="Freeform 2" id="2"/>
+          <p:cNvSpPr/>
+          <p:nvPr/>
+        </p:nvSpPr>
+        <p:spPr>
+          <a:xfrm flipH="false" flipV="false" rot="0">
+            <a:off x="4253140" y="5421744"/>
+            <a:ext cx="9781720" cy="2488548"/>
+          </a:xfrm>
+          <a:custGeom>
+            <a:avLst/>
+            <a:gdLst/>
+            <a:ahLst/>
+            <a:cxnLst/>
+            <a:rect r="r" b="b" t="t" l="l"/>
+            <a:pathLst>
+              <a:path h="2488548" w="9781720">
+                <a:moveTo>
+                  <a:pt x="0" y="0"/>
+                </a:moveTo>
+                <a:lnTo>
+                  <a:pt x="9781720" y="0"/>
+                </a:lnTo>
+                <a:lnTo>
+                  <a:pt x="9781720" y="2488548"/>
+                </a:lnTo>
+                <a:lnTo>
+                  <a:pt x="0" y="2488548"/>
+                </a:lnTo>
+                <a:lnTo>
+                  <a:pt x="0" y="0"/>
+                </a:lnTo>
+                <a:close/>
+              </a:path>
+            </a:pathLst>
+          </a:custGeom>
+          <a:blipFill>
+            <a:blip r:embed="rId2"/>
+            <a:stretch>
+              <a:fillRect l="0" t="0" r="0" b="0"/>
+            </a:stretch>
+          </a:blipFill>
+        </p:spPr>
+      </p:sp>
+      <p:sp>
+        <p:nvSpPr>
+          <p:cNvPr name="TextBox 3" id="3"/>
+          <p:cNvSpPr txBox="true"/>
+          <p:nvPr/>
+        </p:nvSpPr>
+        <p:spPr>
+          <a:xfrm rot="0">
+            <a:off x="3659698" y="1691401"/>
+            <a:ext cx="10968604" cy="1193800"/>
+          </a:xfrm>
+          <a:prstGeom prst="rect">
+            <a:avLst/>
+          </a:prstGeom>
+        </p:spPr>
+        <p:txBody>
+          <a:bodyPr anchor="t" rtlCol="false" tIns="0" lIns="0" bIns="0" rIns="0">
+            <a:spAutoFit/>
+          </a:bodyPr>
+          <a:lstStyle/>
+          <a:p>
+            <a:pPr algn="ctr">
+              <a:lnSpc>
+                <a:spcPts val="9799"/>
+              </a:lnSpc>
+            </a:pPr>
+            <a:r>
+              <a:rPr lang="en-US" sz="6999">
+                <a:solidFill>
+                  <a:srgbClr val="FFFFFF"/>
+                </a:solidFill>
+                <a:latin typeface="League Spartan"/>
+                <a:ea typeface="League Spartan"/>
+                <a:cs typeface="League Spartan"/>
+                <a:sym typeface="League Spartan"/>
+              </a:rPr>
+              <a:t>BIBLIOTECA RANDOM</a:t>
+            </a:r>
+          </a:p>
+        </p:txBody>
+      </p:sp>
+      <p:sp>
+        <p:nvSpPr>
+          <p:cNvPr name="TextBox 4" id="4"/>
+          <p:cNvSpPr txBox="true"/>
+          <p:nvPr/>
+        </p:nvSpPr>
+        <p:spPr>
+          <a:xfrm rot="0">
+            <a:off x="1028700" y="3651263"/>
+            <a:ext cx="16230600" cy="1313179"/>
+          </a:xfrm>
+          <a:prstGeom prst="rect">
+            <a:avLst/>
+          </a:prstGeom>
+        </p:spPr>
+        <p:txBody>
+          <a:bodyPr anchor="t" rtlCol="false" tIns="0" lIns="0" bIns="0" rIns="0">
+            <a:spAutoFit/>
+          </a:bodyPr>
+          <a:lstStyle/>
+          <a:p>
+            <a:pPr algn="ctr">
+              <a:lnSpc>
+                <a:spcPts val="5320"/>
+              </a:lnSpc>
+            </a:pPr>
+            <a:r>
+              <a:rPr lang="en-US" sz="3800" b="true">
+                <a:solidFill>
+                  <a:srgbClr val="FFFFFF"/>
+                </a:solidFill>
+                <a:latin typeface="Open Sans Bold"/>
+                <a:ea typeface="Open Sans Bold"/>
+                <a:cs typeface="Open Sans Bold"/>
+                <a:sym typeface="Open Sans Bold"/>
+              </a:rPr>
+              <a:t>Oferece várias funções para gerar números aleatórios e realizar outras operações relacionadas à aleatoriedade.</a:t>
+            </a:r>
+          </a:p>
+        </p:txBody>
+      </p:sp>
+      <p:sp>
+        <p:nvSpPr>
+          <p:cNvPr name="TextBox 5" id="5"/>
+          <p:cNvSpPr txBox="true"/>
+          <p:nvPr/>
+        </p:nvSpPr>
+        <p:spPr>
+          <a:xfrm rot="0">
+            <a:off x="6154862" y="7947899"/>
+            <a:ext cx="5978277" cy="514350"/>
+          </a:xfrm>
+          <a:prstGeom prst="rect">
+            <a:avLst/>
+          </a:prstGeom>
+        </p:spPr>
+        <p:txBody>
+          <a:bodyPr anchor="t" rtlCol="false" tIns="0" lIns="0" bIns="0" rIns="0">
+            <a:spAutoFit/>
+          </a:bodyPr>
+          <a:lstStyle/>
+          <a:p>
+            <a:pPr algn="ctr">
+              <a:lnSpc>
+                <a:spcPts val="4200"/>
+              </a:lnSpc>
+            </a:pPr>
+            <a:r>
+              <a:rPr lang="en-US" sz="3000">
+                <a:solidFill>
+                  <a:srgbClr val="FFFFFF"/>
+                </a:solidFill>
+                <a:latin typeface="Open Sans"/>
+                <a:ea typeface="Open Sans"/>
+                <a:cs typeface="Open Sans"/>
+                <a:sym typeface="Open Sans"/>
+              </a:rPr>
+              <a:t>Gerando um número entre 0 e 10</a:t>
+            </a:r>
+          </a:p>
+        </p:txBody>
+      </p:sp>
+    </p:spTree>
+  </p:cSld>
+  <p:clrMapOvr>
+    <a:masterClrMapping/>
+  </p:clrMapOvr>
+</p:sld>
+</file>
+
 <file path=ppt/slides/slide2.xml><?xml version="1.0" encoding="utf-8"?>
 <p:sld xmlns:p="http://schemas.openxmlformats.org/presentationml/2006/main" xmlns:a="http://schemas.openxmlformats.org/drawingml/2006/main" xmlns:r="http://schemas.openxmlformats.org/officeDocument/2006/relationships">
   <p:cSld>
